--- a/Parallax.pptx
+++ b/Parallax.pptx
@@ -9,7 +9,11 @@
     <p:sldId id="257" r:id="rId3"/>
     <p:sldId id="258" r:id="rId4"/>
     <p:sldId id="259" r:id="rId5"/>
-    <p:sldId id="260" r:id="rId6"/>
+    <p:sldId id="261" r:id="rId6"/>
+    <p:sldId id="264" r:id="rId7"/>
+    <p:sldId id="262" r:id="rId8"/>
+    <p:sldId id="263" r:id="rId9"/>
+    <p:sldId id="260" r:id="rId10"/>
   </p:sldIdLst>
   <p:sldSz cx="12192000" cy="6858000"/>
   <p:notesSz cx="6858000" cy="9144000"/>
@@ -108,6 +112,11 @@
       </a:defRPr>
     </a:lvl9pPr>
   </p:defaultTextStyle>
+  <p:extLst>
+    <p:ext uri="{EFAFB233-063F-42B5-8137-9DF3F51BA10A}">
+      <p15:sldGuideLst xmlns:p15="http://schemas.microsoft.com/office/powerpoint/2012/main"/>
+    </p:ext>
+  </p:extLst>
 </p:presentation>
 </file>
 
@@ -614,7 +623,7 @@
             <a:fld id="{B61BEF0D-F0BB-DE4B-95CE-6DB70DBA9567}" type="datetimeFigureOut">
               <a:rPr lang="en-US" dirty="0"/>
               <a:pPr/>
-              <a:t>3/4/2024</a:t>
+              <a:t>4/13/2024</a:t>
             </a:fld>
             <a:endParaRPr lang="en-US" dirty="0"/>
           </a:p>
@@ -907,7 +916,7 @@
             <a:fld id="{B61BEF0D-F0BB-DE4B-95CE-6DB70DBA9567}" type="datetimeFigureOut">
               <a:rPr lang="en-US" dirty="0"/>
               <a:pPr/>
-              <a:t>3/4/2024</a:t>
+              <a:t>4/13/2024</a:t>
             </a:fld>
             <a:endParaRPr lang="en-US" dirty="0"/>
           </a:p>
@@ -1152,7 +1161,7 @@
             <a:fld id="{B61BEF0D-F0BB-DE4B-95CE-6DB70DBA9567}" type="datetimeFigureOut">
               <a:rPr lang="en-US" dirty="0"/>
               <a:pPr/>
-              <a:t>3/4/2024</a:t>
+              <a:t>4/13/2024</a:t>
             </a:fld>
             <a:endParaRPr lang="en-US" dirty="0"/>
           </a:p>
@@ -1689,7 +1698,7 @@
             <a:fld id="{B61BEF0D-F0BB-DE4B-95CE-6DB70DBA9567}" type="datetimeFigureOut">
               <a:rPr lang="en-US" dirty="0"/>
               <a:pPr/>
-              <a:t>3/4/2024</a:t>
+              <a:t>4/13/2024</a:t>
             </a:fld>
             <a:endParaRPr lang="en-US" dirty="0"/>
           </a:p>
@@ -1934,7 +1943,7 @@
             <a:fld id="{B61BEF0D-F0BB-DE4B-95CE-6DB70DBA9567}" type="datetimeFigureOut">
               <a:rPr lang="en-US" dirty="0"/>
               <a:pPr/>
-              <a:t>3/4/2024</a:t>
+              <a:t>4/13/2024</a:t>
             </a:fld>
             <a:endParaRPr lang="en-US" dirty="0"/>
           </a:p>
@@ -2463,7 +2472,7 @@
             <a:fld id="{B61BEF0D-F0BB-DE4B-95CE-6DB70DBA9567}" type="datetimeFigureOut">
               <a:rPr lang="en-US" dirty="0"/>
               <a:pPr/>
-              <a:t>3/4/2024</a:t>
+              <a:t>4/13/2024</a:t>
             </a:fld>
             <a:endParaRPr lang="en-US" dirty="0"/>
           </a:p>
@@ -2757,7 +2766,7 @@
             <a:fld id="{B61BEF0D-F0BB-DE4B-95CE-6DB70DBA9567}" type="datetimeFigureOut">
               <a:rPr lang="en-US" dirty="0"/>
               <a:pPr/>
-              <a:t>3/4/2024</a:t>
+              <a:t>4/13/2024</a:t>
             </a:fld>
             <a:endParaRPr lang="en-US" dirty="0"/>
           </a:p>
@@ -2928,7 +2937,7 @@
             <a:fld id="{B61BEF0D-F0BB-DE4B-95CE-6DB70DBA9567}" type="datetimeFigureOut">
               <a:rPr lang="en-US" dirty="0"/>
               <a:pPr/>
-              <a:t>3/4/2024</a:t>
+              <a:t>4/13/2024</a:t>
             </a:fld>
             <a:endParaRPr lang="en-US" dirty="0"/>
           </a:p>
@@ -3105,7 +3114,7 @@
             <a:fld id="{B61BEF0D-F0BB-DE4B-95CE-6DB70DBA9567}" type="datetimeFigureOut">
               <a:rPr lang="en-US" dirty="0"/>
               <a:pPr/>
-              <a:t>3/4/2024</a:t>
+              <a:t>4/13/2024</a:t>
             </a:fld>
             <a:endParaRPr lang="en-US" dirty="0"/>
           </a:p>
@@ -3272,7 +3281,7 @@
             <a:fld id="{B61BEF0D-F0BB-DE4B-95CE-6DB70DBA9567}" type="datetimeFigureOut">
               <a:rPr lang="en-US" dirty="0"/>
               <a:pPr/>
-              <a:t>3/4/2024</a:t>
+              <a:t>4/13/2024</a:t>
             </a:fld>
             <a:endParaRPr lang="en-US" dirty="0"/>
           </a:p>
@@ -3520,7 +3529,7 @@
             <a:fld id="{B61BEF0D-F0BB-DE4B-95CE-6DB70DBA9567}" type="datetimeFigureOut">
               <a:rPr lang="en-US" dirty="0"/>
               <a:pPr/>
-              <a:t>3/4/2024</a:t>
+              <a:t>4/13/2024</a:t>
             </a:fld>
             <a:endParaRPr lang="en-US" dirty="0"/>
           </a:p>
@@ -3814,7 +3823,7 @@
             <a:fld id="{B61BEF0D-F0BB-DE4B-95CE-6DB70DBA9567}" type="datetimeFigureOut">
               <a:rPr lang="en-US" dirty="0"/>
               <a:pPr/>
-              <a:t>3/4/2024</a:t>
+              <a:t>4/13/2024</a:t>
             </a:fld>
             <a:endParaRPr lang="en-US" dirty="0"/>
           </a:p>
@@ -4253,7 +4262,7 @@
             <a:fld id="{B61BEF0D-F0BB-DE4B-95CE-6DB70DBA9567}" type="datetimeFigureOut">
               <a:rPr lang="en-US" dirty="0"/>
               <a:pPr/>
-              <a:t>3/4/2024</a:t>
+              <a:t>4/13/2024</a:t>
             </a:fld>
             <a:endParaRPr lang="en-US" dirty="0"/>
           </a:p>
@@ -4368,7 +4377,7 @@
             <a:fld id="{B61BEF0D-F0BB-DE4B-95CE-6DB70DBA9567}" type="datetimeFigureOut">
               <a:rPr lang="en-US" dirty="0"/>
               <a:pPr/>
-              <a:t>3/4/2024</a:t>
+              <a:t>4/13/2024</a:t>
             </a:fld>
             <a:endParaRPr lang="en-US" dirty="0"/>
           </a:p>
@@ -4460,7 +4469,7 @@
             <a:fld id="{B61BEF0D-F0BB-DE4B-95CE-6DB70DBA9567}" type="datetimeFigureOut">
               <a:rPr lang="en-US" dirty="0"/>
               <a:pPr/>
-              <a:t>3/4/2024</a:t>
+              <a:t>4/13/2024</a:t>
             </a:fld>
             <a:endParaRPr lang="en-US" dirty="0"/>
           </a:p>
@@ -4740,7 +4749,7 @@
             <a:fld id="{B61BEF0D-F0BB-DE4B-95CE-6DB70DBA9567}" type="datetimeFigureOut">
               <a:rPr lang="en-US" dirty="0"/>
               <a:pPr/>
-              <a:t>3/4/2024</a:t>
+              <a:t>4/13/2024</a:t>
             </a:fld>
             <a:endParaRPr lang="en-US" dirty="0"/>
           </a:p>
@@ -5028,7 +5037,7 @@
             <a:fld id="{B61BEF0D-F0BB-DE4B-95CE-6DB70DBA9567}" type="datetimeFigureOut">
               <a:rPr lang="en-US" dirty="0"/>
               <a:pPr/>
-              <a:t>3/4/2024</a:t>
+              <a:t>4/13/2024</a:t>
             </a:fld>
             <a:endParaRPr lang="en-US" dirty="0"/>
           </a:p>
@@ -5555,7 +5564,7 @@
             <a:fld id="{B61BEF0D-F0BB-DE4B-95CE-6DB70DBA9567}" type="datetimeFigureOut">
               <a:rPr lang="en-US" dirty="0"/>
               <a:pPr/>
-              <a:t>3/4/2024</a:t>
+              <a:t>4/13/2024</a:t>
             </a:fld>
             <a:endParaRPr lang="en-US" dirty="0"/>
           </a:p>
@@ -7088,6 +7097,962 @@
           <p:cNvPr id="2" name="Title 1">
             <a:extLst>
               <a:ext uri="{FF2B5EF4-FFF2-40B4-BE49-F238E27FC236}">
+                <a16:creationId xmlns:a16="http://schemas.microsoft.com/office/drawing/2014/main" id="{70B348F3-68E1-FF82-8A7B-C2581C900237}"/>
+              </a:ext>
+            </a:extLst>
+          </p:cNvPr>
+          <p:cNvSpPr>
+            <a:spLocks noGrp="1"/>
+          </p:cNvSpPr>
+          <p:nvPr>
+            <p:ph type="title"/>
+          </p:nvPr>
+        </p:nvSpPr>
+        <p:spPr>
+          <a:xfrm>
+            <a:off x="1484311" y="2327988"/>
+            <a:ext cx="10018713" cy="1752599"/>
+          </a:xfrm>
+        </p:spPr>
+        <p:txBody>
+          <a:bodyPr>
+            <a:normAutofit fontScale="90000"/>
+          </a:bodyPr>
+          <a:lstStyle/>
+          <a:p>
+            <a:r>
+              <a:rPr lang="en-US" b="1" i="0" dirty="0">
+                <a:solidFill>
+                  <a:srgbClr val="0D0D0D"/>
+                </a:solidFill>
+                <a:effectLst/>
+                <a:highlight>
+                  <a:srgbClr val="FFFFFF"/>
+                </a:highlight>
+                <a:latin typeface="Söhne"/>
+              </a:rPr>
+              <a:t>Progress Report: Project Organization and Features Implementation</a:t>
+            </a:r>
+            <a:br>
+              <a:rPr lang="en-US" dirty="0"/>
+            </a:br>
+            <a:endParaRPr lang="en-IN" dirty="0"/>
+          </a:p>
+        </p:txBody>
+      </p:sp>
+      <p:sp>
+        <p:nvSpPr>
+          <p:cNvPr id="3" name="Content Placeholder 2">
+            <a:extLst>
+              <a:ext uri="{FF2B5EF4-FFF2-40B4-BE49-F238E27FC236}">
+                <a16:creationId xmlns:a16="http://schemas.microsoft.com/office/drawing/2014/main" id="{153DFDF5-BAAD-6DE8-7C4C-79BA71CDC336}"/>
+              </a:ext>
+            </a:extLst>
+          </p:cNvPr>
+          <p:cNvSpPr>
+            <a:spLocks noGrp="1"/>
+          </p:cNvSpPr>
+          <p:nvPr>
+            <p:ph idx="1"/>
+          </p:nvPr>
+        </p:nvSpPr>
+        <p:spPr>
+          <a:xfrm>
+            <a:off x="1484311" y="1380930"/>
+            <a:ext cx="10018713" cy="4979437"/>
+          </a:xfrm>
+        </p:spPr>
+        <p:txBody>
+          <a:bodyPr/>
+          <a:lstStyle/>
+          <a:p>
+            <a:pPr algn="l"/>
+            <a:endParaRPr lang="en-IN" dirty="0"/>
+          </a:p>
+        </p:txBody>
+      </p:sp>
+    </p:spTree>
+    <p:extLst>
+      <p:ext uri="{BB962C8B-B14F-4D97-AF65-F5344CB8AC3E}">
+        <p14:creationId xmlns:p14="http://schemas.microsoft.com/office/powerpoint/2010/main" val="3791450226"/>
+      </p:ext>
+    </p:extLst>
+  </p:cSld>
+  <p:clrMapOvr>
+    <a:masterClrMapping/>
+  </p:clrMapOvr>
+</p:sld>
+</file>
+
+<file path=ppt/slides/slide6.xml><?xml version="1.0" encoding="utf-8"?>
+<p:sld xmlns:a="http://schemas.openxmlformats.org/drawingml/2006/main" xmlns:r="http://schemas.openxmlformats.org/officeDocument/2006/relationships" xmlns:p="http://schemas.openxmlformats.org/presentationml/2006/main">
+  <p:cSld>
+    <p:spTree>
+      <p:nvGrpSpPr>
+        <p:cNvPr id="1" name=""/>
+        <p:cNvGrpSpPr/>
+        <p:nvPr/>
+      </p:nvGrpSpPr>
+      <p:grpSpPr>
+        <a:xfrm>
+          <a:off x="0" y="0"/>
+          <a:ext cx="0" cy="0"/>
+          <a:chOff x="0" y="0"/>
+          <a:chExt cx="0" cy="0"/>
+        </a:xfrm>
+      </p:grpSpPr>
+      <p:sp>
+        <p:nvSpPr>
+          <p:cNvPr id="2" name="Title 1">
+            <a:extLst>
+              <a:ext uri="{FF2B5EF4-FFF2-40B4-BE49-F238E27FC236}">
+                <a16:creationId xmlns:a16="http://schemas.microsoft.com/office/drawing/2014/main" id="{5A84EC67-A89F-0373-0D13-268EAC8F69DB}"/>
+              </a:ext>
+            </a:extLst>
+          </p:cNvPr>
+          <p:cNvSpPr>
+            <a:spLocks noGrp="1"/>
+          </p:cNvSpPr>
+          <p:nvPr>
+            <p:ph type="title"/>
+          </p:nvPr>
+        </p:nvSpPr>
+        <p:spPr/>
+        <p:txBody>
+          <a:bodyPr/>
+          <a:lstStyle/>
+          <a:p>
+            <a:endParaRPr lang="en-IN"/>
+          </a:p>
+        </p:txBody>
+      </p:sp>
+      <p:sp>
+        <p:nvSpPr>
+          <p:cNvPr id="3" name="Content Placeholder 2">
+            <a:extLst>
+              <a:ext uri="{FF2B5EF4-FFF2-40B4-BE49-F238E27FC236}">
+                <a16:creationId xmlns:a16="http://schemas.microsoft.com/office/drawing/2014/main" id="{54AC87BB-DD66-48C4-FDB3-50B677577AB2}"/>
+              </a:ext>
+            </a:extLst>
+          </p:cNvPr>
+          <p:cNvSpPr>
+            <a:spLocks noGrp="1"/>
+          </p:cNvSpPr>
+          <p:nvPr>
+            <p:ph idx="1"/>
+          </p:nvPr>
+        </p:nvSpPr>
+        <p:spPr>
+          <a:xfrm>
+            <a:off x="1316358" y="1370044"/>
+            <a:ext cx="10018713" cy="4452258"/>
+          </a:xfrm>
+        </p:spPr>
+        <p:txBody>
+          <a:bodyPr>
+            <a:normAutofit fontScale="92500"/>
+          </a:bodyPr>
+          <a:lstStyle/>
+          <a:p>
+            <a:pPr algn="l"/>
+            <a:r>
+              <a:rPr lang="en-US" b="1" i="0" dirty="0">
+                <a:solidFill>
+                  <a:srgbClr val="0D0D0D"/>
+                </a:solidFill>
+                <a:effectLst/>
+                <a:highlight>
+                  <a:srgbClr val="FFFFFF"/>
+                </a:highlight>
+                <a:latin typeface="Söhne"/>
+              </a:rPr>
+              <a:t>Controller and Code Organization</a:t>
+            </a:r>
+            <a:endParaRPr lang="en-US" b="0" i="0" dirty="0">
+              <a:solidFill>
+                <a:srgbClr val="0D0D0D"/>
+              </a:solidFill>
+              <a:effectLst/>
+              <a:highlight>
+                <a:srgbClr val="FFFFFF"/>
+              </a:highlight>
+              <a:latin typeface="Söhne"/>
+            </a:endParaRPr>
+          </a:p>
+          <a:p>
+            <a:pPr marL="0" indent="0" algn="l">
+              <a:buNone/>
+            </a:pPr>
+            <a:r>
+              <a:rPr lang="en-US" b="0" i="0" dirty="0">
+                <a:solidFill>
+                  <a:srgbClr val="0D0D0D"/>
+                </a:solidFill>
+                <a:effectLst/>
+                <a:highlight>
+                  <a:srgbClr val="FFFFFF"/>
+                </a:highlight>
+                <a:latin typeface="Söhne"/>
+              </a:rPr>
+              <a:t> 	Successfully structured and organized the codebase for clarity and maintainability.</a:t>
+            </a:r>
+          </a:p>
+          <a:p>
+            <a:pPr marL="0" indent="0" algn="l">
+              <a:buNone/>
+            </a:pPr>
+            <a:endParaRPr lang="en-US" b="0" i="0" dirty="0">
+              <a:solidFill>
+                <a:srgbClr val="0D0D0D"/>
+              </a:solidFill>
+              <a:effectLst/>
+              <a:highlight>
+                <a:srgbClr val="FFFFFF"/>
+              </a:highlight>
+              <a:latin typeface="Söhne"/>
+            </a:endParaRPr>
+          </a:p>
+          <a:p>
+            <a:pPr marL="0" indent="0" algn="l">
+              <a:buNone/>
+            </a:pPr>
+            <a:endParaRPr lang="en-US" b="0" i="0" dirty="0">
+              <a:solidFill>
+                <a:srgbClr val="0D0D0D"/>
+              </a:solidFill>
+              <a:effectLst/>
+              <a:highlight>
+                <a:srgbClr val="FFFFFF"/>
+              </a:highlight>
+              <a:latin typeface="Söhne"/>
+            </a:endParaRPr>
+          </a:p>
+          <a:p>
+            <a:pPr algn="l"/>
+            <a:r>
+              <a:rPr lang="en-US" b="1" i="0" dirty="0">
+                <a:solidFill>
+                  <a:srgbClr val="0D0D0D"/>
+                </a:solidFill>
+                <a:effectLst/>
+                <a:highlight>
+                  <a:srgbClr val="FFFFFF"/>
+                </a:highlight>
+                <a:latin typeface="Söhne"/>
+              </a:rPr>
+              <a:t>Favorite Section Implementation</a:t>
+            </a:r>
+            <a:endParaRPr lang="en-US" b="0" i="0" dirty="0">
+              <a:solidFill>
+                <a:srgbClr val="0D0D0D"/>
+              </a:solidFill>
+              <a:effectLst/>
+              <a:highlight>
+                <a:srgbClr val="FFFFFF"/>
+              </a:highlight>
+              <a:latin typeface="Söhne"/>
+            </a:endParaRPr>
+          </a:p>
+          <a:p>
+            <a:pPr algn="l">
+              <a:buFont typeface="Arial" panose="020B0604020202020204" pitchFamily="34" charset="0"/>
+              <a:buChar char="•"/>
+            </a:pPr>
+            <a:r>
+              <a:rPr lang="en-US" b="0" i="0" dirty="0">
+                <a:solidFill>
+                  <a:srgbClr val="0D0D0D"/>
+                </a:solidFill>
+                <a:effectLst/>
+                <a:highlight>
+                  <a:srgbClr val="FFFFFF"/>
+                </a:highlight>
+                <a:latin typeface="Söhne"/>
+              </a:rPr>
+              <a:t>Implemented a dedicated section for users to mark their favorite items.</a:t>
+            </a:r>
+          </a:p>
+          <a:p>
+            <a:pPr marL="0" indent="0" algn="l">
+              <a:buNone/>
+            </a:pPr>
+            <a:endParaRPr lang="en-US" b="0" i="0" dirty="0">
+              <a:solidFill>
+                <a:srgbClr val="0D0D0D"/>
+              </a:solidFill>
+              <a:effectLst/>
+              <a:highlight>
+                <a:srgbClr val="FFFFFF"/>
+              </a:highlight>
+              <a:latin typeface="Söhne"/>
+            </a:endParaRPr>
+          </a:p>
+          <a:p>
+            <a:pPr marL="0" indent="0">
+              <a:buNone/>
+            </a:pPr>
+            <a:br>
+              <a:rPr lang="en-US" dirty="0"/>
+            </a:br>
+            <a:endParaRPr lang="en-IN" dirty="0"/>
+          </a:p>
+          <a:p>
+            <a:endParaRPr lang="en-IN" dirty="0"/>
+          </a:p>
+        </p:txBody>
+      </p:sp>
+    </p:spTree>
+    <p:extLst>
+      <p:ext uri="{BB962C8B-B14F-4D97-AF65-F5344CB8AC3E}">
+        <p14:creationId xmlns:p14="http://schemas.microsoft.com/office/powerpoint/2010/main" val="675790099"/>
+      </p:ext>
+    </p:extLst>
+  </p:cSld>
+  <p:clrMapOvr>
+    <a:masterClrMapping/>
+  </p:clrMapOvr>
+</p:sld>
+</file>
+
+<file path=ppt/slides/slide7.xml><?xml version="1.0" encoding="utf-8"?>
+<p:sld xmlns:a="http://schemas.openxmlformats.org/drawingml/2006/main" xmlns:r="http://schemas.openxmlformats.org/officeDocument/2006/relationships" xmlns:p="http://schemas.openxmlformats.org/presentationml/2006/main">
+  <p:cSld>
+    <p:spTree>
+      <p:nvGrpSpPr>
+        <p:cNvPr id="1" name=""/>
+        <p:cNvGrpSpPr/>
+        <p:nvPr/>
+      </p:nvGrpSpPr>
+      <p:grpSpPr>
+        <a:xfrm>
+          <a:off x="0" y="0"/>
+          <a:ext cx="0" cy="0"/>
+          <a:chOff x="0" y="0"/>
+          <a:chExt cx="0" cy="0"/>
+        </a:xfrm>
+      </p:grpSpPr>
+      <p:sp>
+        <p:nvSpPr>
+          <p:cNvPr id="3" name="Content Placeholder 2">
+            <a:extLst>
+              <a:ext uri="{FF2B5EF4-FFF2-40B4-BE49-F238E27FC236}">
+                <a16:creationId xmlns:a16="http://schemas.microsoft.com/office/drawing/2014/main" id="{FD1962E9-9310-2E10-6AB7-EBFD4A04CDA9}"/>
+              </a:ext>
+            </a:extLst>
+          </p:cNvPr>
+          <p:cNvSpPr>
+            <a:spLocks noGrp="1"/>
+          </p:cNvSpPr>
+          <p:nvPr>
+            <p:ph idx="1"/>
+          </p:nvPr>
+        </p:nvSpPr>
+        <p:spPr>
+          <a:xfrm>
+            <a:off x="1086643" y="73089"/>
+            <a:ext cx="10018713" cy="5982478"/>
+          </a:xfrm>
+        </p:spPr>
+        <p:txBody>
+          <a:bodyPr>
+            <a:normAutofit/>
+          </a:bodyPr>
+          <a:lstStyle/>
+          <a:p>
+            <a:pPr algn="l"/>
+            <a:r>
+              <a:rPr lang="en-US" b="1" i="0" dirty="0">
+                <a:solidFill>
+                  <a:srgbClr val="0D0D0D"/>
+                </a:solidFill>
+                <a:effectLst/>
+                <a:highlight>
+                  <a:srgbClr val="FFFFFF"/>
+                </a:highlight>
+                <a:latin typeface="Söhne"/>
+              </a:rPr>
+              <a:t>Heart-Shaped Button</a:t>
+            </a:r>
+            <a:endParaRPr lang="en-US" b="0" i="0" dirty="0">
+              <a:solidFill>
+                <a:srgbClr val="0D0D0D"/>
+              </a:solidFill>
+              <a:effectLst/>
+              <a:highlight>
+                <a:srgbClr val="FFFFFF"/>
+              </a:highlight>
+              <a:latin typeface="Söhne"/>
+            </a:endParaRPr>
+          </a:p>
+          <a:p>
+            <a:pPr algn="l">
+              <a:buFont typeface="Arial" panose="020B0604020202020204" pitchFamily="34" charset="0"/>
+              <a:buChar char="•"/>
+            </a:pPr>
+            <a:r>
+              <a:rPr lang="en-US" b="0" i="0" dirty="0">
+                <a:solidFill>
+                  <a:srgbClr val="0D0D0D"/>
+                </a:solidFill>
+                <a:effectLst/>
+                <a:highlight>
+                  <a:srgbClr val="FFFFFF"/>
+                </a:highlight>
+                <a:latin typeface="Söhne"/>
+              </a:rPr>
+              <a:t>Designed and integrated a heart-shaped button.</a:t>
+            </a:r>
+          </a:p>
+          <a:p>
+            <a:pPr algn="l">
+              <a:buFont typeface="Arial" panose="020B0604020202020204" pitchFamily="34" charset="0"/>
+              <a:buChar char="•"/>
+            </a:pPr>
+            <a:r>
+              <a:rPr lang="en-US" b="0" i="0" dirty="0">
+                <a:solidFill>
+                  <a:srgbClr val="0D0D0D"/>
+                </a:solidFill>
+                <a:effectLst/>
+                <a:highlight>
+                  <a:srgbClr val="FFFFFF"/>
+                </a:highlight>
+                <a:latin typeface="Söhne"/>
+              </a:rPr>
+              <a:t>Functionality implemented:</a:t>
+            </a:r>
+          </a:p>
+          <a:p>
+            <a:pPr marL="742950" lvl="1" indent="-285750" algn="l">
+              <a:buFont typeface="Arial" panose="020B0604020202020204" pitchFamily="34" charset="0"/>
+              <a:buChar char="•"/>
+            </a:pPr>
+            <a:r>
+              <a:rPr lang="en-US" b="0" i="0" dirty="0">
+                <a:solidFill>
+                  <a:srgbClr val="0D0D0D"/>
+                </a:solidFill>
+                <a:effectLst/>
+                <a:highlight>
+                  <a:srgbClr val="FFFFFF"/>
+                </a:highlight>
+                <a:latin typeface="Söhne"/>
+              </a:rPr>
+              <a:t>Heart-shaped button working as intended.</a:t>
+            </a:r>
+          </a:p>
+          <a:p>
+            <a:pPr marL="742950" lvl="1" indent="-285750" algn="l">
+              <a:buFont typeface="Arial" panose="020B0604020202020204" pitchFamily="34" charset="0"/>
+              <a:buChar char="•"/>
+            </a:pPr>
+            <a:r>
+              <a:rPr lang="en-US" b="0" i="0" dirty="0">
+                <a:solidFill>
+                  <a:srgbClr val="0D0D0D"/>
+                </a:solidFill>
+                <a:effectLst/>
+                <a:highlight>
+                  <a:srgbClr val="FFFFFF"/>
+                </a:highlight>
+                <a:latin typeface="Söhne"/>
+              </a:rPr>
+              <a:t>Loading animation successfully integrated.</a:t>
+            </a:r>
+          </a:p>
+          <a:p>
+            <a:pPr marL="742950" lvl="1" indent="-285750" algn="l">
+              <a:buFont typeface="Arial" panose="020B0604020202020204" pitchFamily="34" charset="0"/>
+              <a:buChar char="•"/>
+            </a:pPr>
+            <a:endParaRPr lang="en-US" dirty="0">
+              <a:solidFill>
+                <a:srgbClr val="0D0D0D"/>
+              </a:solidFill>
+              <a:highlight>
+                <a:srgbClr val="FFFFFF"/>
+              </a:highlight>
+              <a:latin typeface="Söhne"/>
+            </a:endParaRPr>
+          </a:p>
+          <a:p>
+            <a:pPr marL="742950" lvl="1" indent="-285750" algn="l">
+              <a:buFont typeface="Arial" panose="020B0604020202020204" pitchFamily="34" charset="0"/>
+              <a:buChar char="•"/>
+            </a:pPr>
+            <a:endParaRPr lang="en-US" b="0" i="0" dirty="0">
+              <a:solidFill>
+                <a:srgbClr val="0D0D0D"/>
+              </a:solidFill>
+              <a:effectLst/>
+              <a:highlight>
+                <a:srgbClr val="FFFFFF"/>
+              </a:highlight>
+              <a:latin typeface="Söhne"/>
+            </a:endParaRPr>
+          </a:p>
+          <a:p>
+            <a:pPr algn="l"/>
+            <a:r>
+              <a:rPr lang="en-US" b="1" i="0" dirty="0">
+                <a:solidFill>
+                  <a:srgbClr val="0D0D0D"/>
+                </a:solidFill>
+                <a:effectLst/>
+                <a:highlight>
+                  <a:srgbClr val="FFFFFF"/>
+                </a:highlight>
+                <a:latin typeface="Söhne"/>
+              </a:rPr>
+              <a:t>Like &amp; Dislike Functionality</a:t>
+            </a:r>
+            <a:endParaRPr lang="en-US" b="0" i="0" dirty="0">
+              <a:solidFill>
+                <a:srgbClr val="0D0D0D"/>
+              </a:solidFill>
+              <a:effectLst/>
+              <a:highlight>
+                <a:srgbClr val="FFFFFF"/>
+              </a:highlight>
+              <a:latin typeface="Söhne"/>
+            </a:endParaRPr>
+          </a:p>
+          <a:p>
+            <a:pPr algn="l">
+              <a:buFont typeface="Arial" panose="020B0604020202020204" pitchFamily="34" charset="0"/>
+              <a:buChar char="•"/>
+            </a:pPr>
+            <a:r>
+              <a:rPr lang="en-US" b="0" i="0" dirty="0">
+                <a:solidFill>
+                  <a:srgbClr val="0D0D0D"/>
+                </a:solidFill>
+                <a:effectLst/>
+                <a:highlight>
+                  <a:srgbClr val="FFFFFF"/>
+                </a:highlight>
+                <a:latin typeface="Söhne"/>
+              </a:rPr>
+              <a:t>Added functionality for users to like and dislike products.</a:t>
+            </a:r>
+          </a:p>
+          <a:p>
+            <a:pPr marL="457200" lvl="1" indent="0" algn="l">
+              <a:buNone/>
+            </a:pPr>
+            <a:endParaRPr lang="en-US" b="0" i="0" dirty="0">
+              <a:solidFill>
+                <a:srgbClr val="0D0D0D"/>
+              </a:solidFill>
+              <a:effectLst/>
+              <a:highlight>
+                <a:srgbClr val="FFFFFF"/>
+              </a:highlight>
+              <a:latin typeface="Söhne"/>
+            </a:endParaRPr>
+          </a:p>
+          <a:p>
+            <a:endParaRPr lang="en-IN" dirty="0"/>
+          </a:p>
+        </p:txBody>
+      </p:sp>
+    </p:spTree>
+    <p:extLst>
+      <p:ext uri="{BB962C8B-B14F-4D97-AF65-F5344CB8AC3E}">
+        <p14:creationId xmlns:p14="http://schemas.microsoft.com/office/powerpoint/2010/main" val="3715571779"/>
+      </p:ext>
+    </p:extLst>
+  </p:cSld>
+  <p:clrMapOvr>
+    <a:masterClrMapping/>
+  </p:clrMapOvr>
+</p:sld>
+</file>
+
+<file path=ppt/slides/slide8.xml><?xml version="1.0" encoding="utf-8"?>
+<p:sld xmlns:a="http://schemas.openxmlformats.org/drawingml/2006/main" xmlns:r="http://schemas.openxmlformats.org/officeDocument/2006/relationships" xmlns:p="http://schemas.openxmlformats.org/presentationml/2006/main">
+  <p:cSld>
+    <p:spTree>
+      <p:nvGrpSpPr>
+        <p:cNvPr id="1" name=""/>
+        <p:cNvGrpSpPr/>
+        <p:nvPr/>
+      </p:nvGrpSpPr>
+      <p:grpSpPr>
+        <a:xfrm>
+          <a:off x="0" y="0"/>
+          <a:ext cx="0" cy="0"/>
+          <a:chOff x="0" y="0"/>
+          <a:chExt cx="0" cy="0"/>
+        </a:xfrm>
+      </p:grpSpPr>
+      <p:sp>
+        <p:nvSpPr>
+          <p:cNvPr id="3" name="Content Placeholder 2">
+            <a:extLst>
+              <a:ext uri="{FF2B5EF4-FFF2-40B4-BE49-F238E27FC236}">
+                <a16:creationId xmlns:a16="http://schemas.microsoft.com/office/drawing/2014/main" id="{FB4C3497-4978-99FE-A780-1CB1D8BE2F63}"/>
+              </a:ext>
+            </a:extLst>
+          </p:cNvPr>
+          <p:cNvSpPr>
+            <a:spLocks noGrp="1"/>
+          </p:cNvSpPr>
+          <p:nvPr>
+            <p:ph idx="1"/>
+          </p:nvPr>
+        </p:nvSpPr>
+        <p:spPr>
+          <a:xfrm>
+            <a:off x="1558955" y="566056"/>
+            <a:ext cx="10018713" cy="5358883"/>
+          </a:xfrm>
+        </p:spPr>
+        <p:txBody>
+          <a:bodyPr>
+            <a:normAutofit fontScale="92500" lnSpcReduction="20000"/>
+          </a:bodyPr>
+          <a:lstStyle/>
+          <a:p>
+            <a:pPr algn="l"/>
+            <a:r>
+              <a:rPr lang="en-US" sz="3500" b="1" i="0" dirty="0">
+                <a:solidFill>
+                  <a:srgbClr val="0D0D0D"/>
+                </a:solidFill>
+                <a:effectLst/>
+                <a:highlight>
+                  <a:srgbClr val="FFFFFF"/>
+                </a:highlight>
+                <a:latin typeface="Söhne"/>
+              </a:rPr>
+              <a:t>Product Management</a:t>
+            </a:r>
+            <a:endParaRPr lang="en-US" sz="3500" b="0" i="0" dirty="0">
+              <a:solidFill>
+                <a:srgbClr val="0D0D0D"/>
+              </a:solidFill>
+              <a:effectLst/>
+              <a:highlight>
+                <a:srgbClr val="FFFFFF"/>
+              </a:highlight>
+              <a:latin typeface="Söhne"/>
+            </a:endParaRPr>
+          </a:p>
+          <a:p>
+            <a:pPr algn="l">
+              <a:buFont typeface="Arial" panose="020B0604020202020204" pitchFamily="34" charset="0"/>
+              <a:buChar char="•"/>
+            </a:pPr>
+            <a:r>
+              <a:rPr lang="en-US" b="0" i="0" dirty="0">
+                <a:solidFill>
+                  <a:srgbClr val="0D0D0D"/>
+                </a:solidFill>
+                <a:effectLst/>
+                <a:highlight>
+                  <a:srgbClr val="FFFFFF"/>
+                </a:highlight>
+                <a:latin typeface="Söhne"/>
+              </a:rPr>
+              <a:t>Delete Product:</a:t>
+            </a:r>
+          </a:p>
+          <a:p>
+            <a:pPr marL="742950" lvl="1" indent="-285750" algn="l">
+              <a:buFont typeface="Arial" panose="020B0604020202020204" pitchFamily="34" charset="0"/>
+              <a:buChar char="•"/>
+            </a:pPr>
+            <a:r>
+              <a:rPr lang="en-US" b="0" i="0" dirty="0">
+                <a:solidFill>
+                  <a:srgbClr val="0D0D0D"/>
+                </a:solidFill>
+                <a:effectLst/>
+                <a:highlight>
+                  <a:srgbClr val="FFFFFF"/>
+                </a:highlight>
+                <a:latin typeface="Söhne"/>
+              </a:rPr>
+              <a:t>Implemented delete functionality allowing users to remove products from the platform.</a:t>
+            </a:r>
+          </a:p>
+          <a:p>
+            <a:pPr algn="l">
+              <a:buFont typeface="Arial" panose="020B0604020202020204" pitchFamily="34" charset="0"/>
+              <a:buChar char="•"/>
+            </a:pPr>
+            <a:r>
+              <a:rPr lang="en-US" b="0" i="0" dirty="0">
+                <a:solidFill>
+                  <a:srgbClr val="0D0D0D"/>
+                </a:solidFill>
+                <a:effectLst/>
+                <a:highlight>
+                  <a:srgbClr val="FFFFFF"/>
+                </a:highlight>
+                <a:latin typeface="Söhne"/>
+              </a:rPr>
+              <a:t>Edit Section:</a:t>
+            </a:r>
+          </a:p>
+          <a:p>
+            <a:pPr marL="742950" lvl="1" indent="-285750" algn="l">
+              <a:buFont typeface="Arial" panose="020B0604020202020204" pitchFamily="34" charset="0"/>
+              <a:buChar char="•"/>
+            </a:pPr>
+            <a:r>
+              <a:rPr lang="en-US" b="0" i="0" dirty="0">
+                <a:solidFill>
+                  <a:srgbClr val="0D0D0D"/>
+                </a:solidFill>
+                <a:effectLst/>
+                <a:highlight>
+                  <a:srgbClr val="FFFFFF"/>
+                </a:highlight>
+                <a:latin typeface="Söhne"/>
+              </a:rPr>
+              <a:t>Enabled editing capability for products to update information as needed.</a:t>
+            </a:r>
+          </a:p>
+          <a:p>
+            <a:pPr marL="742950" lvl="1" indent="-285750" algn="l">
+              <a:buFont typeface="Arial" panose="020B0604020202020204" pitchFamily="34" charset="0"/>
+              <a:buChar char="•"/>
+            </a:pPr>
+            <a:endParaRPr lang="en-US" b="0" i="0" dirty="0">
+              <a:solidFill>
+                <a:srgbClr val="0D0D0D"/>
+              </a:solidFill>
+              <a:effectLst/>
+              <a:highlight>
+                <a:srgbClr val="FFFFFF"/>
+              </a:highlight>
+              <a:latin typeface="Söhne"/>
+            </a:endParaRPr>
+          </a:p>
+          <a:p>
+            <a:pPr algn="l"/>
+            <a:r>
+              <a:rPr lang="en-US" sz="3500" b="1" i="0" dirty="0">
+                <a:solidFill>
+                  <a:srgbClr val="0D0D0D"/>
+                </a:solidFill>
+                <a:effectLst/>
+                <a:highlight>
+                  <a:srgbClr val="FFFFFF"/>
+                </a:highlight>
+                <a:latin typeface="Söhne"/>
+              </a:rPr>
+              <a:t>Current Work in Progress</a:t>
+            </a:r>
+            <a:endParaRPr lang="en-US" sz="3500" b="0" i="0" dirty="0">
+              <a:solidFill>
+                <a:srgbClr val="0D0D0D"/>
+              </a:solidFill>
+              <a:effectLst/>
+              <a:highlight>
+                <a:srgbClr val="FFFFFF"/>
+              </a:highlight>
+              <a:latin typeface="Söhne"/>
+            </a:endParaRPr>
+          </a:p>
+          <a:p>
+            <a:pPr algn="l">
+              <a:buFont typeface="Arial" panose="020B0604020202020204" pitchFamily="34" charset="0"/>
+              <a:buChar char="•"/>
+            </a:pPr>
+            <a:r>
+              <a:rPr lang="en-US" b="1" i="0" dirty="0">
+                <a:solidFill>
+                  <a:srgbClr val="0D0D0D"/>
+                </a:solidFill>
+                <a:effectLst/>
+                <a:highlight>
+                  <a:srgbClr val="FFFFFF"/>
+                </a:highlight>
+                <a:latin typeface="Söhne"/>
+              </a:rPr>
+              <a:t>Socket Implementation</a:t>
+            </a:r>
+            <a:r>
+              <a:rPr lang="en-US" b="0" i="0" dirty="0">
+                <a:solidFill>
+                  <a:srgbClr val="0D0D0D"/>
+                </a:solidFill>
+                <a:effectLst/>
+                <a:highlight>
+                  <a:srgbClr val="FFFFFF"/>
+                </a:highlight>
+                <a:latin typeface="Söhne"/>
+              </a:rPr>
+              <a:t>:</a:t>
+            </a:r>
+          </a:p>
+          <a:p>
+            <a:pPr marL="742950" lvl="1" indent="-285750" algn="l">
+              <a:buFont typeface="Arial" panose="020B0604020202020204" pitchFamily="34" charset="0"/>
+              <a:buChar char="•"/>
+            </a:pPr>
+            <a:r>
+              <a:rPr lang="en-US" b="0" i="0" dirty="0">
+                <a:solidFill>
+                  <a:srgbClr val="0D0D0D"/>
+                </a:solidFill>
+                <a:effectLst/>
+                <a:highlight>
+                  <a:srgbClr val="FFFFFF"/>
+                </a:highlight>
+                <a:latin typeface="Söhne"/>
+              </a:rPr>
+              <a:t>Working on integrating real-time socket communication for dynamic updates.</a:t>
+            </a:r>
+          </a:p>
+          <a:p>
+            <a:pPr algn="l">
+              <a:buFont typeface="Arial" panose="020B0604020202020204" pitchFamily="34" charset="0"/>
+              <a:buChar char="•"/>
+            </a:pPr>
+            <a:r>
+              <a:rPr lang="en-US" b="1" i="0" dirty="0" err="1">
+                <a:solidFill>
+                  <a:srgbClr val="0D0D0D"/>
+                </a:solidFill>
+                <a:effectLst/>
+                <a:highlight>
+                  <a:srgbClr val="FFFFFF"/>
+                </a:highlight>
+                <a:latin typeface="Söhne"/>
+              </a:rPr>
+              <a:t>Chatbox</a:t>
+            </a:r>
+            <a:r>
+              <a:rPr lang="en-US" b="1" i="0" dirty="0">
+                <a:solidFill>
+                  <a:srgbClr val="0D0D0D"/>
+                </a:solidFill>
+                <a:effectLst/>
+                <a:highlight>
+                  <a:srgbClr val="FFFFFF"/>
+                </a:highlight>
+                <a:latin typeface="Söhne"/>
+              </a:rPr>
+              <a:t> Creation</a:t>
+            </a:r>
+            <a:r>
+              <a:rPr lang="en-US" b="0" i="0" dirty="0">
+                <a:solidFill>
+                  <a:srgbClr val="0D0D0D"/>
+                </a:solidFill>
+                <a:effectLst/>
+                <a:highlight>
+                  <a:srgbClr val="FFFFFF"/>
+                </a:highlight>
+                <a:latin typeface="Söhne"/>
+              </a:rPr>
+              <a:t>:</a:t>
+            </a:r>
+          </a:p>
+          <a:p>
+            <a:pPr marL="742950" lvl="1" indent="-285750" algn="l">
+              <a:buFont typeface="Arial" panose="020B0604020202020204" pitchFamily="34" charset="0"/>
+              <a:buChar char="•"/>
+            </a:pPr>
+            <a:r>
+              <a:rPr lang="en-US" b="0" i="0" dirty="0">
+                <a:solidFill>
+                  <a:srgbClr val="0D0D0D"/>
+                </a:solidFill>
+                <a:effectLst/>
+                <a:highlight>
+                  <a:srgbClr val="FFFFFF"/>
+                </a:highlight>
+                <a:latin typeface="Söhne"/>
+              </a:rPr>
+              <a:t>Developing a </a:t>
+            </a:r>
+            <a:r>
+              <a:rPr lang="en-US" b="0" i="0" dirty="0" err="1">
+                <a:solidFill>
+                  <a:srgbClr val="0D0D0D"/>
+                </a:solidFill>
+                <a:effectLst/>
+                <a:highlight>
+                  <a:srgbClr val="FFFFFF"/>
+                </a:highlight>
+                <a:latin typeface="Söhne"/>
+              </a:rPr>
+              <a:t>chatbox</a:t>
+            </a:r>
+            <a:r>
+              <a:rPr lang="en-US" b="0" i="0" dirty="0">
+                <a:solidFill>
+                  <a:srgbClr val="0D0D0D"/>
+                </a:solidFill>
+                <a:effectLst/>
+                <a:highlight>
+                  <a:srgbClr val="FFFFFF"/>
+                </a:highlight>
+                <a:latin typeface="Söhne"/>
+              </a:rPr>
+              <a:t> feature to facilitate user interactions and support.</a:t>
+            </a:r>
+          </a:p>
+          <a:p>
+            <a:br>
+              <a:rPr lang="en-US" dirty="0"/>
+            </a:br>
+            <a:endParaRPr lang="en-US" b="0" i="0" dirty="0">
+              <a:solidFill>
+                <a:srgbClr val="0D0D0D"/>
+              </a:solidFill>
+              <a:effectLst/>
+              <a:highlight>
+                <a:srgbClr val="FFFFFF"/>
+              </a:highlight>
+              <a:latin typeface="Söhne"/>
+            </a:endParaRPr>
+          </a:p>
+          <a:p>
+            <a:endParaRPr lang="en-IN" dirty="0"/>
+          </a:p>
+        </p:txBody>
+      </p:sp>
+    </p:spTree>
+    <p:extLst>
+      <p:ext uri="{BB962C8B-B14F-4D97-AF65-F5344CB8AC3E}">
+        <p14:creationId xmlns:p14="http://schemas.microsoft.com/office/powerpoint/2010/main" val="3769366005"/>
+      </p:ext>
+    </p:extLst>
+  </p:cSld>
+  <p:clrMapOvr>
+    <a:masterClrMapping/>
+  </p:clrMapOvr>
+</p:sld>
+</file>
+
+<file path=ppt/slides/slide9.xml><?xml version="1.0" encoding="utf-8"?>
+<p:sld xmlns:a="http://schemas.openxmlformats.org/drawingml/2006/main" xmlns:r="http://schemas.openxmlformats.org/officeDocument/2006/relationships" xmlns:p="http://schemas.openxmlformats.org/presentationml/2006/main">
+  <p:cSld>
+    <p:spTree>
+      <p:nvGrpSpPr>
+        <p:cNvPr id="1" name=""/>
+        <p:cNvGrpSpPr/>
+        <p:nvPr/>
+      </p:nvGrpSpPr>
+      <p:grpSpPr>
+        <a:xfrm>
+          <a:off x="0" y="0"/>
+          <a:ext cx="0" cy="0"/>
+          <a:chOff x="0" y="0"/>
+          <a:chExt cx="0" cy="0"/>
+        </a:xfrm>
+      </p:grpSpPr>
+      <p:sp>
+        <p:nvSpPr>
+          <p:cNvPr id="2" name="Title 1">
+            <a:extLst>
+              <a:ext uri="{FF2B5EF4-FFF2-40B4-BE49-F238E27FC236}">
                 <a16:creationId xmlns:a16="http://schemas.microsoft.com/office/drawing/2014/main" id="{10D3FAE0-05B7-D32A-ED4D-00A7B786F00F}"/>
               </a:ext>
             </a:extLst>

--- a/Parallax.pptx
+++ b/Parallax.pptx
@@ -623,7 +623,7 @@
             <a:fld id="{B61BEF0D-F0BB-DE4B-95CE-6DB70DBA9567}" type="datetimeFigureOut">
               <a:rPr lang="en-US" dirty="0"/>
               <a:pPr/>
-              <a:t>4/13/2024</a:t>
+              <a:t>4/14/2024</a:t>
             </a:fld>
             <a:endParaRPr lang="en-US" dirty="0"/>
           </a:p>
@@ -916,7 +916,7 @@
             <a:fld id="{B61BEF0D-F0BB-DE4B-95CE-6DB70DBA9567}" type="datetimeFigureOut">
               <a:rPr lang="en-US" dirty="0"/>
               <a:pPr/>
-              <a:t>4/13/2024</a:t>
+              <a:t>4/14/2024</a:t>
             </a:fld>
             <a:endParaRPr lang="en-US" dirty="0"/>
           </a:p>
@@ -1161,7 +1161,7 @@
             <a:fld id="{B61BEF0D-F0BB-DE4B-95CE-6DB70DBA9567}" type="datetimeFigureOut">
               <a:rPr lang="en-US" dirty="0"/>
               <a:pPr/>
-              <a:t>4/13/2024</a:t>
+              <a:t>4/14/2024</a:t>
             </a:fld>
             <a:endParaRPr lang="en-US" dirty="0"/>
           </a:p>
@@ -1698,7 +1698,7 @@
             <a:fld id="{B61BEF0D-F0BB-DE4B-95CE-6DB70DBA9567}" type="datetimeFigureOut">
               <a:rPr lang="en-US" dirty="0"/>
               <a:pPr/>
-              <a:t>4/13/2024</a:t>
+              <a:t>4/14/2024</a:t>
             </a:fld>
             <a:endParaRPr lang="en-US" dirty="0"/>
           </a:p>
@@ -1943,7 +1943,7 @@
             <a:fld id="{B61BEF0D-F0BB-DE4B-95CE-6DB70DBA9567}" type="datetimeFigureOut">
               <a:rPr lang="en-US" dirty="0"/>
               <a:pPr/>
-              <a:t>4/13/2024</a:t>
+              <a:t>4/14/2024</a:t>
             </a:fld>
             <a:endParaRPr lang="en-US" dirty="0"/>
           </a:p>
@@ -2472,7 +2472,7 @@
             <a:fld id="{B61BEF0D-F0BB-DE4B-95CE-6DB70DBA9567}" type="datetimeFigureOut">
               <a:rPr lang="en-US" dirty="0"/>
               <a:pPr/>
-              <a:t>4/13/2024</a:t>
+              <a:t>4/14/2024</a:t>
             </a:fld>
             <a:endParaRPr lang="en-US" dirty="0"/>
           </a:p>
@@ -2766,7 +2766,7 @@
             <a:fld id="{B61BEF0D-F0BB-DE4B-95CE-6DB70DBA9567}" type="datetimeFigureOut">
               <a:rPr lang="en-US" dirty="0"/>
               <a:pPr/>
-              <a:t>4/13/2024</a:t>
+              <a:t>4/14/2024</a:t>
             </a:fld>
             <a:endParaRPr lang="en-US" dirty="0"/>
           </a:p>
@@ -2937,7 +2937,7 @@
             <a:fld id="{B61BEF0D-F0BB-DE4B-95CE-6DB70DBA9567}" type="datetimeFigureOut">
               <a:rPr lang="en-US" dirty="0"/>
               <a:pPr/>
-              <a:t>4/13/2024</a:t>
+              <a:t>4/14/2024</a:t>
             </a:fld>
             <a:endParaRPr lang="en-US" dirty="0"/>
           </a:p>
@@ -3114,7 +3114,7 @@
             <a:fld id="{B61BEF0D-F0BB-DE4B-95CE-6DB70DBA9567}" type="datetimeFigureOut">
               <a:rPr lang="en-US" dirty="0"/>
               <a:pPr/>
-              <a:t>4/13/2024</a:t>
+              <a:t>4/14/2024</a:t>
             </a:fld>
             <a:endParaRPr lang="en-US" dirty="0"/>
           </a:p>
@@ -3281,7 +3281,7 @@
             <a:fld id="{B61BEF0D-F0BB-DE4B-95CE-6DB70DBA9567}" type="datetimeFigureOut">
               <a:rPr lang="en-US" dirty="0"/>
               <a:pPr/>
-              <a:t>4/13/2024</a:t>
+              <a:t>4/14/2024</a:t>
             </a:fld>
             <a:endParaRPr lang="en-US" dirty="0"/>
           </a:p>
@@ -3529,7 +3529,7 @@
             <a:fld id="{B61BEF0D-F0BB-DE4B-95CE-6DB70DBA9567}" type="datetimeFigureOut">
               <a:rPr lang="en-US" dirty="0"/>
               <a:pPr/>
-              <a:t>4/13/2024</a:t>
+              <a:t>4/14/2024</a:t>
             </a:fld>
             <a:endParaRPr lang="en-US" dirty="0"/>
           </a:p>
@@ -3823,7 +3823,7 @@
             <a:fld id="{B61BEF0D-F0BB-DE4B-95CE-6DB70DBA9567}" type="datetimeFigureOut">
               <a:rPr lang="en-US" dirty="0"/>
               <a:pPr/>
-              <a:t>4/13/2024</a:t>
+              <a:t>4/14/2024</a:t>
             </a:fld>
             <a:endParaRPr lang="en-US" dirty="0"/>
           </a:p>
@@ -4262,7 +4262,7 @@
             <a:fld id="{B61BEF0D-F0BB-DE4B-95CE-6DB70DBA9567}" type="datetimeFigureOut">
               <a:rPr lang="en-US" dirty="0"/>
               <a:pPr/>
-              <a:t>4/13/2024</a:t>
+              <a:t>4/14/2024</a:t>
             </a:fld>
             <a:endParaRPr lang="en-US" dirty="0"/>
           </a:p>
@@ -4377,7 +4377,7 @@
             <a:fld id="{B61BEF0D-F0BB-DE4B-95CE-6DB70DBA9567}" type="datetimeFigureOut">
               <a:rPr lang="en-US" dirty="0"/>
               <a:pPr/>
-              <a:t>4/13/2024</a:t>
+              <a:t>4/14/2024</a:t>
             </a:fld>
             <a:endParaRPr lang="en-US" dirty="0"/>
           </a:p>
@@ -4469,7 +4469,7 @@
             <a:fld id="{B61BEF0D-F0BB-DE4B-95CE-6DB70DBA9567}" type="datetimeFigureOut">
               <a:rPr lang="en-US" dirty="0"/>
               <a:pPr/>
-              <a:t>4/13/2024</a:t>
+              <a:t>4/14/2024</a:t>
             </a:fld>
             <a:endParaRPr lang="en-US" dirty="0"/>
           </a:p>
@@ -4749,7 +4749,7 @@
             <a:fld id="{B61BEF0D-F0BB-DE4B-95CE-6DB70DBA9567}" type="datetimeFigureOut">
               <a:rPr lang="en-US" dirty="0"/>
               <a:pPr/>
-              <a:t>4/13/2024</a:t>
+              <a:t>4/14/2024</a:t>
             </a:fld>
             <a:endParaRPr lang="en-US" dirty="0"/>
           </a:p>
@@ -5037,7 +5037,7 @@
             <a:fld id="{B61BEF0D-F0BB-DE4B-95CE-6DB70DBA9567}" type="datetimeFigureOut">
               <a:rPr lang="en-US" dirty="0"/>
               <a:pPr/>
-              <a:t>4/13/2024</a:t>
+              <a:t>4/14/2024</a:t>
             </a:fld>
             <a:endParaRPr lang="en-US" dirty="0"/>
           </a:p>
@@ -5564,7 +5564,7 @@
             <a:fld id="{B61BEF0D-F0BB-DE4B-95CE-6DB70DBA9567}" type="datetimeFigureOut">
               <a:rPr lang="en-US" dirty="0"/>
               <a:pPr/>
-              <a:t>4/13/2024</a:t>
+              <a:t>4/14/2024</a:t>
             </a:fld>
             <a:endParaRPr lang="en-US" dirty="0"/>
           </a:p>
